--- a/USPSA/Ghoulish Guillotine 2.pptx
+++ b/USPSA/Ghoulish Guillotine 2.pptx
@@ -2926,7 +2926,7 @@
               <a:pPr>
                 <a:defRPr/>
               </a:pPr>
-              <a:t>24.10.2020</a:t>
+              <a:t>10/25/20</a:t>
             </a:fld>
             <a:endParaRPr lang="en-US"/>
           </a:p>
@@ -6892,7 +6892,7 @@
           <p:nvPr>
             <p:extLst>
               <p:ext uri="{D42A27DB-BD31-4B8C-83A1-F6EECF244321}">
-                <p14:modId xmlns:p14="http://schemas.microsoft.com/office/powerpoint/2010/main" val="51205349"/>
+                <p14:modId xmlns:p14="http://schemas.microsoft.com/office/powerpoint/2010/main" val="3001862447"/>
               </p:ext>
             </p:extLst>
           </p:nvPr>
@@ -7100,7 +7100,7 @@
                         <a:defRPr/>
                       </a:pPr>
                       <a:r>
-                        <a:rPr kumimoji="0" lang="en-US" sz="2000" b="1" i="0" u="none" strike="noStrike" kern="1200" cap="none" spc="0" normalizeH="0" baseline="0" noProof="0">
+                        <a:rPr kumimoji="0" lang="en-US" sz="2000" b="1" i="0" u="none" strike="noStrike" kern="1200" cap="none" spc="0" normalizeH="0" baseline="0" noProof="0" dirty="0">
                           <a:ln>
                             <a:noFill/>
                           </a:ln>
@@ -7576,8 +7576,33 @@
                           <a:latin typeface="Arial" charset="0"/>
                           <a:cs typeface="Times New Roman" charset="0"/>
                         </a:rPr>
-                        <a:t>NOTE: Polish rack locked in place.</a:t>
+                        <a:t>NOTE: Polish </a:t>
                       </a:r>
+                      <a:r>
+                        <a:rPr kumimoji="0" lang="en-US" sz="1100" b="0" i="0" u="none" strike="noStrike" cap="none" normalizeH="0" baseline="0">
+                          <a:ln>
+                            <a:noFill/>
+                          </a:ln>
+                          <a:solidFill>
+                            <a:schemeClr val="tx1"/>
+                          </a:solidFill>
+                          <a:effectLst/>
+                          <a:latin typeface="Arial" charset="0"/>
+                          <a:cs typeface="Times New Roman" charset="0"/>
+                        </a:rPr>
+                        <a:t>rack unlocked</a:t>
+                      </a:r>
+                      <a:endParaRPr kumimoji="0" lang="en-US" sz="1100" b="0" i="0" u="none" strike="noStrike" cap="none" normalizeH="0" baseline="0" dirty="0">
+                        <a:ln>
+                          <a:noFill/>
+                        </a:ln>
+                        <a:solidFill>
+                          <a:schemeClr val="tx1"/>
+                        </a:solidFill>
+                        <a:effectLst/>
+                        <a:latin typeface="Arial" charset="0"/>
+                        <a:cs typeface="Times New Roman" charset="0"/>
+                      </a:endParaRPr>
                     </a:p>
                   </a:txBody>
                   <a:tcPr marL="45720" marR="45720" marT="45716" marB="45716" horzOverflow="overflow">
